--- a/PP-reiskat.pptx
+++ b/PP-reiskat.pptx
@@ -12,8 +12,6 @@
     <p:sldId id="260" r:id="rId6"/>
     <p:sldId id="264" r:id="rId7"/>
     <p:sldId id="261" r:id="rId8"/>
-    <p:sldId id="262" r:id="rId9"/>
-    <p:sldId id="263" r:id="rId10"/>
   </p:sldIdLst>
   <p:sldSz cx="12192000" cy="6858000"/>
   <p:notesSz cx="6858000" cy="9144000"/>
@@ -181,7 +179,7 @@
           <a:noFill/>
           <a:extLst>
             <a:ext uri="{909E8E84-426E-40dd-AFC4-6F175D3DCCD1}">
-              <a14:hiddenFill xmlns:a14="http://schemas.microsoft.com/office/drawing/2010/main" xmlns="">
+              <a14:hiddenFill xmlns="" xmlns:a14="http://schemas.microsoft.com/office/drawing/2010/main">
                 <a:solidFill>
                   <a:srgbClr val="FFFFFF"/>
                 </a:solidFill>
@@ -241,7 +239,7 @@
             </a:ln>
             <a:extLst>
               <a:ext uri="{91240B29-F687-4f45-9708-019B960494DF}">
-                <a14:hiddenLine xmlns:a14="http://schemas.microsoft.com/office/drawing/2010/main" xmlns="" w="9525">
+                <a14:hiddenLine xmlns="" xmlns:a14="http://schemas.microsoft.com/office/drawing/2010/main" w="9525">
                   <a:solidFill>
                     <a:srgbClr val="000000"/>
                   </a:solidFill>
@@ -331,7 +329,7 @@
             </a:ln>
             <a:extLst>
               <a:ext uri="{91240B29-F687-4f45-9708-019B960494DF}">
-                <a14:hiddenLine xmlns:a14="http://schemas.microsoft.com/office/drawing/2010/main" xmlns="" w="9525">
+                <a14:hiddenLine xmlns="" xmlns:a14="http://schemas.microsoft.com/office/drawing/2010/main" w="9525">
                   <a:solidFill>
                     <a:srgbClr val="000000"/>
                   </a:solidFill>
@@ -421,7 +419,7 @@
             </a:ln>
             <a:extLst>
               <a:ext uri="{91240B29-F687-4f45-9708-019B960494DF}">
-                <a14:hiddenLine xmlns:a14="http://schemas.microsoft.com/office/drawing/2010/main" xmlns="" w="9525">
+                <a14:hiddenLine xmlns="" xmlns:a14="http://schemas.microsoft.com/office/drawing/2010/main" w="9525">
                   <a:solidFill>
                     <a:srgbClr val="000000"/>
                   </a:solidFill>
@@ -455,7 +453,7 @@
             </a:ln>
             <a:extLst>
               <a:ext uri="{91240B29-F687-4f45-9708-019B960494DF}">
-                <a14:hiddenLine xmlns:a14="http://schemas.microsoft.com/office/drawing/2010/main" xmlns="" w="9525">
+                <a14:hiddenLine xmlns="" xmlns:a14="http://schemas.microsoft.com/office/drawing/2010/main" w="9525">
                   <a:solidFill>
                     <a:srgbClr val="000000"/>
                   </a:solidFill>
@@ -545,7 +543,7 @@
             </a:ln>
             <a:extLst>
               <a:ext uri="{91240B29-F687-4f45-9708-019B960494DF}">
-                <a14:hiddenLine xmlns:a14="http://schemas.microsoft.com/office/drawing/2010/main" xmlns="" w="9525">
+                <a14:hiddenLine xmlns="" xmlns:a14="http://schemas.microsoft.com/office/drawing/2010/main" w="9525">
                   <a:solidFill>
                     <a:srgbClr val="000000"/>
                   </a:solidFill>
@@ -607,7 +605,7 @@
             </a:ln>
             <a:extLst>
               <a:ext uri="{91240B29-F687-4f45-9708-019B960494DF}">
-                <a14:hiddenLine xmlns:a14="http://schemas.microsoft.com/office/drawing/2010/main" xmlns="" w="9525">
+                <a14:hiddenLine xmlns="" xmlns:a14="http://schemas.microsoft.com/office/drawing/2010/main" w="9525">
                   <a:solidFill>
                     <a:srgbClr val="000000"/>
                   </a:solidFill>
@@ -669,7 +667,7 @@
             </a:ln>
             <a:extLst>
               <a:ext uri="{91240B29-F687-4f45-9708-019B960494DF}">
-                <a14:hiddenLine xmlns:a14="http://schemas.microsoft.com/office/drawing/2010/main" xmlns="" w="9525">
+                <a14:hiddenLine xmlns="" xmlns:a14="http://schemas.microsoft.com/office/drawing/2010/main" w="9525">
                   <a:solidFill>
                     <a:srgbClr val="000000"/>
                   </a:solidFill>
@@ -759,7 +757,7 @@
             </a:ln>
             <a:extLst>
               <a:ext uri="{91240B29-F687-4f45-9708-019B960494DF}">
-                <a14:hiddenLine xmlns:a14="http://schemas.microsoft.com/office/drawing/2010/main" xmlns="" w="9525">
+                <a14:hiddenLine xmlns="" xmlns:a14="http://schemas.microsoft.com/office/drawing/2010/main" w="9525">
                   <a:solidFill>
                     <a:srgbClr val="000000"/>
                   </a:solidFill>
@@ -821,7 +819,7 @@
             </a:ln>
             <a:extLst>
               <a:ext uri="{91240B29-F687-4f45-9708-019B960494DF}">
-                <a14:hiddenLine xmlns:a14="http://schemas.microsoft.com/office/drawing/2010/main" xmlns="" w="9525">
+                <a14:hiddenLine xmlns="" xmlns:a14="http://schemas.microsoft.com/office/drawing/2010/main" w="9525">
                   <a:solidFill>
                     <a:srgbClr val="000000"/>
                   </a:solidFill>
@@ -883,7 +881,7 @@
             </a:ln>
             <a:extLst>
               <a:ext uri="{91240B29-F687-4f45-9708-019B960494DF}">
-                <a14:hiddenLine xmlns:a14="http://schemas.microsoft.com/office/drawing/2010/main" xmlns="" w="9525">
+                <a14:hiddenLine xmlns="" xmlns:a14="http://schemas.microsoft.com/office/drawing/2010/main" w="9525">
                   <a:solidFill>
                     <a:srgbClr val="000000"/>
                   </a:solidFill>
@@ -973,7 +971,7 @@
             </a:ln>
             <a:extLst>
               <a:ext uri="{91240B29-F687-4f45-9708-019B960494DF}">
-                <a14:hiddenLine xmlns:a14="http://schemas.microsoft.com/office/drawing/2010/main" xmlns="" w="9525">
+                <a14:hiddenLine xmlns="" xmlns:a14="http://schemas.microsoft.com/office/drawing/2010/main" w="9525">
                   <a:solidFill>
                     <a:srgbClr val="000000"/>
                   </a:solidFill>
@@ -1063,7 +1061,7 @@
             </a:ln>
             <a:extLst>
               <a:ext uri="{91240B29-F687-4f45-9708-019B960494DF}">
-                <a14:hiddenLine xmlns:a14="http://schemas.microsoft.com/office/drawing/2010/main" xmlns="" w="9525">
+                <a14:hiddenLine xmlns="" xmlns:a14="http://schemas.microsoft.com/office/drawing/2010/main" w="9525">
                   <a:solidFill>
                     <a:srgbClr val="000000"/>
                   </a:solidFill>
@@ -1125,7 +1123,7 @@
             </a:ln>
             <a:extLst>
               <a:ext uri="{91240B29-F687-4f45-9708-019B960494DF}">
-                <a14:hiddenLine xmlns:a14="http://schemas.microsoft.com/office/drawing/2010/main" xmlns="" w="9525">
+                <a14:hiddenLine xmlns="" xmlns:a14="http://schemas.microsoft.com/office/drawing/2010/main" w="9525">
                   <a:solidFill>
                     <a:srgbClr val="000000"/>
                   </a:solidFill>
@@ -1235,7 +1233,7 @@
             </a:ln>
             <a:extLst>
               <a:ext uri="{91240B29-F687-4f45-9708-019B960494DF}">
-                <a14:hiddenLine xmlns:a14="http://schemas.microsoft.com/office/drawing/2010/main" xmlns="" w="9525">
+                <a14:hiddenLine xmlns="" xmlns:a14="http://schemas.microsoft.com/office/drawing/2010/main" w="9525">
                   <a:solidFill>
                     <a:srgbClr val="000000"/>
                   </a:solidFill>
@@ -1297,7 +1295,7 @@
             </a:ln>
             <a:extLst>
               <a:ext uri="{91240B29-F687-4f45-9708-019B960494DF}">
-                <a14:hiddenLine xmlns:a14="http://schemas.microsoft.com/office/drawing/2010/main" xmlns="" w="9525">
+                <a14:hiddenLine xmlns="" xmlns:a14="http://schemas.microsoft.com/office/drawing/2010/main" w="9525">
                   <a:solidFill>
                     <a:srgbClr val="000000"/>
                   </a:solidFill>
@@ -1387,7 +1385,7 @@
             </a:ln>
             <a:extLst>
               <a:ext uri="{91240B29-F687-4f45-9708-019B960494DF}">
-                <a14:hiddenLine xmlns:a14="http://schemas.microsoft.com/office/drawing/2010/main" xmlns="" w="9525">
+                <a14:hiddenLine xmlns="" xmlns:a14="http://schemas.microsoft.com/office/drawing/2010/main" w="9525">
                   <a:solidFill>
                     <a:srgbClr val="000000"/>
                   </a:solidFill>
@@ -1477,7 +1475,7 @@
             </a:ln>
             <a:extLst>
               <a:ext uri="{91240B29-F687-4f45-9708-019B960494DF}">
-                <a14:hiddenLine xmlns:a14="http://schemas.microsoft.com/office/drawing/2010/main" xmlns="" w="9525">
+                <a14:hiddenLine xmlns="" xmlns:a14="http://schemas.microsoft.com/office/drawing/2010/main" w="9525">
                   <a:solidFill>
                     <a:srgbClr val="000000"/>
                   </a:solidFill>
@@ -1539,7 +1537,7 @@
             </a:ln>
             <a:extLst>
               <a:ext uri="{91240B29-F687-4f45-9708-019B960494DF}">
-                <a14:hiddenLine xmlns:a14="http://schemas.microsoft.com/office/drawing/2010/main" xmlns="" w="9525">
+                <a14:hiddenLine xmlns="" xmlns:a14="http://schemas.microsoft.com/office/drawing/2010/main" w="9525">
                   <a:solidFill>
                     <a:srgbClr val="000000"/>
                   </a:solidFill>
@@ -1629,7 +1627,7 @@
             </a:ln>
             <a:extLst>
               <a:ext uri="{91240B29-F687-4f45-9708-019B960494DF}">
-                <a14:hiddenLine xmlns:a14="http://schemas.microsoft.com/office/drawing/2010/main" xmlns="" w="9525">
+                <a14:hiddenLine xmlns="" xmlns:a14="http://schemas.microsoft.com/office/drawing/2010/main" w="9525">
                   <a:solidFill>
                     <a:srgbClr val="000000"/>
                   </a:solidFill>
@@ -1719,7 +1717,7 @@
             </a:ln>
             <a:extLst>
               <a:ext uri="{91240B29-F687-4f45-9708-019B960494DF}">
-                <a14:hiddenLine xmlns:a14="http://schemas.microsoft.com/office/drawing/2010/main" xmlns="" w="9525">
+                <a14:hiddenLine xmlns="" xmlns:a14="http://schemas.microsoft.com/office/drawing/2010/main" w="9525">
                   <a:solidFill>
                     <a:srgbClr val="000000"/>
                   </a:solidFill>
@@ -1775,7 +1773,7 @@
             </a:ln>
             <a:extLst>
               <a:ext uri="{91240B29-F687-4f45-9708-019B960494DF}">
-                <a14:hiddenLine xmlns:a14="http://schemas.microsoft.com/office/drawing/2010/main" xmlns="" w="9525">
+                <a14:hiddenLine xmlns="" xmlns:a14="http://schemas.microsoft.com/office/drawing/2010/main" w="9525">
                   <a:solidFill>
                     <a:srgbClr val="000000"/>
                   </a:solidFill>
@@ -1865,7 +1863,7 @@
             </a:ln>
             <a:extLst>
               <a:ext uri="{91240B29-F687-4f45-9708-019B960494DF}">
-                <a14:hiddenLine xmlns:a14="http://schemas.microsoft.com/office/drawing/2010/main" xmlns="" w="9525">
+                <a14:hiddenLine xmlns="" xmlns:a14="http://schemas.microsoft.com/office/drawing/2010/main" w="9525">
                   <a:solidFill>
                     <a:srgbClr val="000000"/>
                   </a:solidFill>
@@ -1921,7 +1919,7 @@
             </a:ln>
             <a:extLst>
               <a:ext uri="{91240B29-F687-4f45-9708-019B960494DF}">
-                <a14:hiddenLine xmlns:a14="http://schemas.microsoft.com/office/drawing/2010/main" xmlns="" w="9525">
+                <a14:hiddenLine xmlns="" xmlns:a14="http://schemas.microsoft.com/office/drawing/2010/main" w="9525">
                   <a:solidFill>
                     <a:srgbClr val="000000"/>
                   </a:solidFill>
@@ -2011,7 +2009,7 @@
             </a:ln>
             <a:extLst>
               <a:ext uri="{91240B29-F687-4f45-9708-019B960494DF}">
-                <a14:hiddenLine xmlns:a14="http://schemas.microsoft.com/office/drawing/2010/main" xmlns="" w="9525">
+                <a14:hiddenLine xmlns="" xmlns:a14="http://schemas.microsoft.com/office/drawing/2010/main" w="9525">
                   <a:solidFill>
                     <a:srgbClr val="000000"/>
                   </a:solidFill>
@@ -2079,7 +2077,7 @@
             </a:ln>
             <a:extLst>
               <a:ext uri="{91240B29-F687-4f45-9708-019B960494DF}">
-                <a14:hiddenLine xmlns:a14="http://schemas.microsoft.com/office/drawing/2010/main" xmlns="" w="9525">
+                <a14:hiddenLine xmlns="" xmlns:a14="http://schemas.microsoft.com/office/drawing/2010/main" w="9525">
                   <a:solidFill>
                     <a:srgbClr val="000000"/>
                   </a:solidFill>
@@ -2169,7 +2167,7 @@
             </a:ln>
             <a:extLst>
               <a:ext uri="{91240B29-F687-4f45-9708-019B960494DF}">
-                <a14:hiddenLine xmlns:a14="http://schemas.microsoft.com/office/drawing/2010/main" xmlns="" w="9525">
+                <a14:hiddenLine xmlns="" xmlns:a14="http://schemas.microsoft.com/office/drawing/2010/main" w="9525">
                   <a:solidFill>
                     <a:srgbClr val="000000"/>
                   </a:solidFill>
@@ -2237,7 +2235,7 @@
             </a:ln>
             <a:extLst>
               <a:ext uri="{91240B29-F687-4f45-9708-019B960494DF}">
-                <a14:hiddenLine xmlns:a14="http://schemas.microsoft.com/office/drawing/2010/main" xmlns="" w="9525">
+                <a14:hiddenLine xmlns="" xmlns:a14="http://schemas.microsoft.com/office/drawing/2010/main" w="9525">
                   <a:solidFill>
                     <a:srgbClr val="000000"/>
                   </a:solidFill>
@@ -2327,7 +2325,7 @@
             </a:ln>
             <a:extLst>
               <a:ext uri="{91240B29-F687-4f45-9708-019B960494DF}">
-                <a14:hiddenLine xmlns:a14="http://schemas.microsoft.com/office/drawing/2010/main" xmlns="" w="9525">
+                <a14:hiddenLine xmlns="" xmlns:a14="http://schemas.microsoft.com/office/drawing/2010/main" w="9525">
                   <a:solidFill>
                     <a:srgbClr val="000000"/>
                   </a:solidFill>
@@ -2361,7 +2359,7 @@
             </a:ln>
             <a:extLst>
               <a:ext uri="{91240B29-F687-4f45-9708-019B960494DF}">
-                <a14:hiddenLine xmlns:a14="http://schemas.microsoft.com/office/drawing/2010/main" xmlns="" w="9525">
+                <a14:hiddenLine xmlns="" xmlns:a14="http://schemas.microsoft.com/office/drawing/2010/main" w="9525">
                   <a:solidFill>
                     <a:srgbClr val="000000"/>
                   </a:solidFill>
@@ -2451,7 +2449,7 @@
             </a:ln>
             <a:extLst>
               <a:ext uri="{91240B29-F687-4f45-9708-019B960494DF}">
-                <a14:hiddenLine xmlns:a14="http://schemas.microsoft.com/office/drawing/2010/main" xmlns="" w="9525">
+                <a14:hiddenLine xmlns="" xmlns:a14="http://schemas.microsoft.com/office/drawing/2010/main" w="9525">
                   <a:solidFill>
                     <a:srgbClr val="000000"/>
                   </a:solidFill>
@@ -2513,7 +2511,7 @@
             </a:ln>
             <a:extLst>
               <a:ext uri="{91240B29-F687-4f45-9708-019B960494DF}">
-                <a14:hiddenLine xmlns:a14="http://schemas.microsoft.com/office/drawing/2010/main" xmlns="" w="9525">
+                <a14:hiddenLine xmlns="" xmlns:a14="http://schemas.microsoft.com/office/drawing/2010/main" w="9525">
                   <a:solidFill>
                     <a:srgbClr val="000000"/>
                   </a:solidFill>
@@ -2575,7 +2573,7 @@
             </a:ln>
             <a:extLst>
               <a:ext uri="{91240B29-F687-4f45-9708-019B960494DF}">
-                <a14:hiddenLine xmlns:a14="http://schemas.microsoft.com/office/drawing/2010/main" xmlns="" w="9525">
+                <a14:hiddenLine xmlns="" xmlns:a14="http://schemas.microsoft.com/office/drawing/2010/main" w="9525">
                   <a:solidFill>
                     <a:srgbClr val="000000"/>
                   </a:solidFill>
@@ -2665,7 +2663,7 @@
             </a:ln>
             <a:extLst>
               <a:ext uri="{91240B29-F687-4f45-9708-019B960494DF}">
-                <a14:hiddenLine xmlns:a14="http://schemas.microsoft.com/office/drawing/2010/main" xmlns="" w="9525">
+                <a14:hiddenLine xmlns="" xmlns:a14="http://schemas.microsoft.com/office/drawing/2010/main" w="9525">
                   <a:solidFill>
                     <a:srgbClr val="000000"/>
                   </a:solidFill>
@@ -2733,7 +2731,7 @@
             </a:ln>
             <a:extLst>
               <a:ext uri="{91240B29-F687-4f45-9708-019B960494DF}">
-                <a14:hiddenLine xmlns:a14="http://schemas.microsoft.com/office/drawing/2010/main" xmlns="" w="9525">
+                <a14:hiddenLine xmlns="" xmlns:a14="http://schemas.microsoft.com/office/drawing/2010/main" w="9525">
                   <a:solidFill>
                     <a:srgbClr val="000000"/>
                   </a:solidFill>
@@ -2795,7 +2793,7 @@
             </a:ln>
             <a:extLst>
               <a:ext uri="{91240B29-F687-4f45-9708-019B960494DF}">
-                <a14:hiddenLine xmlns:a14="http://schemas.microsoft.com/office/drawing/2010/main" xmlns="" w="9525">
+                <a14:hiddenLine xmlns="" xmlns:a14="http://schemas.microsoft.com/office/drawing/2010/main" w="9525">
                   <a:solidFill>
                     <a:srgbClr val="000000"/>
                   </a:solidFill>
@@ -2885,7 +2883,7 @@
             </a:ln>
             <a:extLst>
               <a:ext uri="{91240B29-F687-4f45-9708-019B960494DF}">
-                <a14:hiddenLine xmlns:a14="http://schemas.microsoft.com/office/drawing/2010/main" xmlns="" w="9525">
+                <a14:hiddenLine xmlns="" xmlns:a14="http://schemas.microsoft.com/office/drawing/2010/main" w="9525">
                   <a:solidFill>
                     <a:srgbClr val="000000"/>
                   </a:solidFill>
@@ -2947,7 +2945,7 @@
             </a:ln>
             <a:extLst>
               <a:ext uri="{91240B29-F687-4f45-9708-019B960494DF}">
-                <a14:hiddenLine xmlns:a14="http://schemas.microsoft.com/office/drawing/2010/main" xmlns="" w="9525">
+                <a14:hiddenLine xmlns="" xmlns:a14="http://schemas.microsoft.com/office/drawing/2010/main" w="9525">
                   <a:solidFill>
                     <a:srgbClr val="000000"/>
                   </a:solidFill>
@@ -3037,7 +3035,7 @@
             </a:ln>
             <a:extLst>
               <a:ext uri="{91240B29-F687-4f45-9708-019B960494DF}">
-                <a14:hiddenLine xmlns:a14="http://schemas.microsoft.com/office/drawing/2010/main" xmlns="" w="9525">
+                <a14:hiddenLine xmlns="" xmlns:a14="http://schemas.microsoft.com/office/drawing/2010/main" w="9525">
                   <a:solidFill>
                     <a:srgbClr val="000000"/>
                   </a:solidFill>
@@ -3099,7 +3097,7 @@
             </a:ln>
             <a:extLst>
               <a:ext uri="{91240B29-F687-4f45-9708-019B960494DF}">
-                <a14:hiddenLine xmlns:a14="http://schemas.microsoft.com/office/drawing/2010/main" xmlns="" w="9525">
+                <a14:hiddenLine xmlns="" xmlns:a14="http://schemas.microsoft.com/office/drawing/2010/main" w="9525">
                   <a:solidFill>
                     <a:srgbClr val="000000"/>
                   </a:solidFill>
@@ -3189,7 +3187,7 @@
             </a:ln>
             <a:extLst>
               <a:ext uri="{91240B29-F687-4f45-9708-019B960494DF}">
-                <a14:hiddenLine xmlns:a14="http://schemas.microsoft.com/office/drawing/2010/main" xmlns="" w="9525">
+                <a14:hiddenLine xmlns="" xmlns:a14="http://schemas.microsoft.com/office/drawing/2010/main" w="9525">
                   <a:solidFill>
                     <a:srgbClr val="000000"/>
                   </a:solidFill>
@@ -3223,7 +3221,7 @@
             </a:ln>
             <a:extLst>
               <a:ext uri="{91240B29-F687-4f45-9708-019B960494DF}">
-                <a14:hiddenLine xmlns:a14="http://schemas.microsoft.com/office/drawing/2010/main" xmlns="" w="9525">
+                <a14:hiddenLine xmlns="" xmlns:a14="http://schemas.microsoft.com/office/drawing/2010/main" w="9525">
                   <a:solidFill>
                     <a:srgbClr val="000000"/>
                   </a:solidFill>
@@ -3288,7 +3286,7 @@
             </a:ln>
             <a:extLst>
               <a:ext uri="{91240B29-F687-4f45-9708-019B960494DF}">
-                <a14:hiddenLine xmlns:a14="http://schemas.microsoft.com/office/drawing/2010/main" xmlns="" w="9525">
+                <a14:hiddenLine xmlns="" xmlns:a14="http://schemas.microsoft.com/office/drawing/2010/main" w="9525">
                   <a:solidFill>
                     <a:srgbClr val="000000"/>
                   </a:solidFill>
@@ -3378,7 +3376,7 @@
             </a:ln>
             <a:extLst>
               <a:ext uri="{91240B29-F687-4f45-9708-019B960494DF}">
-                <a14:hiddenLine xmlns:a14="http://schemas.microsoft.com/office/drawing/2010/main" xmlns="" w="9525">
+                <a14:hiddenLine xmlns="" xmlns:a14="http://schemas.microsoft.com/office/drawing/2010/main" w="9525">
                   <a:solidFill>
                     <a:srgbClr val="000000"/>
                   </a:solidFill>
@@ -3440,7 +3438,7 @@
             </a:ln>
             <a:extLst>
               <a:ext uri="{91240B29-F687-4f45-9708-019B960494DF}">
-                <a14:hiddenLine xmlns:a14="http://schemas.microsoft.com/office/drawing/2010/main" xmlns="" w="9525">
+                <a14:hiddenLine xmlns="" xmlns:a14="http://schemas.microsoft.com/office/drawing/2010/main" w="9525">
                   <a:solidFill>
                     <a:srgbClr val="000000"/>
                   </a:solidFill>
@@ -3530,7 +3528,7 @@
             </a:ln>
             <a:extLst>
               <a:ext uri="{91240B29-F687-4f45-9708-019B960494DF}">
-                <a14:hiddenLine xmlns:a14="http://schemas.microsoft.com/office/drawing/2010/main" xmlns="" w="9525">
+                <a14:hiddenLine xmlns="" xmlns:a14="http://schemas.microsoft.com/office/drawing/2010/main" w="9525">
                   <a:solidFill>
                     <a:srgbClr val="000000"/>
                   </a:solidFill>
@@ -3620,7 +3618,7 @@
             </a:ln>
             <a:extLst>
               <a:ext uri="{91240B29-F687-4f45-9708-019B960494DF}">
-                <a14:hiddenLine xmlns:a14="http://schemas.microsoft.com/office/drawing/2010/main" xmlns="" w="9525">
+                <a14:hiddenLine xmlns="" xmlns:a14="http://schemas.microsoft.com/office/drawing/2010/main" w="9525">
                   <a:solidFill>
                     <a:srgbClr val="000000"/>
                   </a:solidFill>
@@ -3685,7 +3683,7 @@
             </a:ln>
             <a:extLst>
               <a:ext uri="{91240B29-F687-4f45-9708-019B960494DF}">
-                <a14:hiddenLine xmlns:a14="http://schemas.microsoft.com/office/drawing/2010/main" xmlns="" w="9525">
+                <a14:hiddenLine xmlns="" xmlns:a14="http://schemas.microsoft.com/office/drawing/2010/main" w="9525">
                   <a:solidFill>
                     <a:srgbClr val="000000"/>
                   </a:solidFill>
@@ -3747,7 +3745,7 @@
             </a:ln>
             <a:extLst>
               <a:ext uri="{91240B29-F687-4f45-9708-019B960494DF}">
-                <a14:hiddenLine xmlns:a14="http://schemas.microsoft.com/office/drawing/2010/main" xmlns="" w="9525">
+                <a14:hiddenLine xmlns="" xmlns:a14="http://schemas.microsoft.com/office/drawing/2010/main" w="9525">
                   <a:solidFill>
                     <a:srgbClr val="000000"/>
                   </a:solidFill>
@@ -3837,7 +3835,7 @@
             </a:ln>
             <a:extLst>
               <a:ext uri="{91240B29-F687-4f45-9708-019B960494DF}">
-                <a14:hiddenLine xmlns:a14="http://schemas.microsoft.com/office/drawing/2010/main" xmlns="" w="9525">
+                <a14:hiddenLine xmlns="" xmlns:a14="http://schemas.microsoft.com/office/drawing/2010/main" w="9525">
                   <a:solidFill>
                     <a:srgbClr val="000000"/>
                   </a:solidFill>
@@ -3927,7 +3925,7 @@
             </a:ln>
             <a:extLst>
               <a:ext uri="{91240B29-F687-4f45-9708-019B960494DF}">
-                <a14:hiddenLine xmlns:a14="http://schemas.microsoft.com/office/drawing/2010/main" xmlns="" w="9525">
+                <a14:hiddenLine xmlns="" xmlns:a14="http://schemas.microsoft.com/office/drawing/2010/main" w="9525">
                   <a:solidFill>
                     <a:srgbClr val="000000"/>
                   </a:solidFill>
@@ -3989,7 +3987,7 @@
             </a:ln>
             <a:extLst>
               <a:ext uri="{91240B29-F687-4f45-9708-019B960494DF}">
-                <a14:hiddenLine xmlns:a14="http://schemas.microsoft.com/office/drawing/2010/main" xmlns="" w="9525">
+                <a14:hiddenLine xmlns="" xmlns:a14="http://schemas.microsoft.com/office/drawing/2010/main" w="9525">
                   <a:solidFill>
                     <a:srgbClr val="000000"/>
                   </a:solidFill>
@@ -4109,7 +4107,7 @@
             </a:ln>
             <a:extLst>
               <a:ext uri="{91240B29-F687-4f45-9708-019B960494DF}">
-                <a14:hiddenLine xmlns:a14="http://schemas.microsoft.com/office/drawing/2010/main" xmlns="" w="9525">
+                <a14:hiddenLine xmlns="" xmlns:a14="http://schemas.microsoft.com/office/drawing/2010/main" w="9525">
                   <a:solidFill>
                     <a:srgbClr val="000000"/>
                   </a:solidFill>
@@ -4177,7 +4175,7 @@
             </a:ln>
             <a:extLst>
               <a:ext uri="{91240B29-F687-4f45-9708-019B960494DF}">
-                <a14:hiddenLine xmlns:a14="http://schemas.microsoft.com/office/drawing/2010/main" xmlns="" w="9525">
+                <a14:hiddenLine xmlns="" xmlns:a14="http://schemas.microsoft.com/office/drawing/2010/main" w="9525">
                   <a:solidFill>
                     <a:srgbClr val="000000"/>
                   </a:solidFill>
@@ -4267,7 +4265,7 @@
             </a:ln>
             <a:extLst>
               <a:ext uri="{91240B29-F687-4f45-9708-019B960494DF}">
-                <a14:hiddenLine xmlns:a14="http://schemas.microsoft.com/office/drawing/2010/main" xmlns="" w="9525">
+                <a14:hiddenLine xmlns="" xmlns:a14="http://schemas.microsoft.com/office/drawing/2010/main" w="9525">
                   <a:solidFill>
                     <a:srgbClr val="000000"/>
                   </a:solidFill>
@@ -9081,7 +9079,7 @@
           <a:noFill/>
           <a:extLst>
             <a:ext uri="{909E8E84-426E-40dd-AFC4-6F175D3DCCD1}">
-              <a14:hiddenFill xmlns:a14="http://schemas.microsoft.com/office/drawing/2010/main" xmlns="">
+              <a14:hiddenFill xmlns="" xmlns:a14="http://schemas.microsoft.com/office/drawing/2010/main">
                 <a:solidFill>
                   <a:srgbClr val="FFFFFF"/>
                 </a:solidFill>
@@ -9155,7 +9153,7 @@
               </a:ln>
               <a:extLst>
                 <a:ext uri="{91240B29-F687-4f45-9708-019B960494DF}">
-                  <a14:hiddenLine xmlns:a14="http://schemas.microsoft.com/office/drawing/2010/main" xmlns="" w="9525">
+                  <a14:hiddenLine xmlns="" xmlns:a14="http://schemas.microsoft.com/office/drawing/2010/main" w="9525">
                     <a:solidFill>
                       <a:srgbClr val="000000"/>
                     </a:solidFill>
@@ -9245,7 +9243,7 @@
               </a:ln>
               <a:extLst>
                 <a:ext uri="{91240B29-F687-4f45-9708-019B960494DF}">
-                  <a14:hiddenLine xmlns:a14="http://schemas.microsoft.com/office/drawing/2010/main" xmlns="" w="9525">
+                  <a14:hiddenLine xmlns="" xmlns:a14="http://schemas.microsoft.com/office/drawing/2010/main" w="9525">
                     <a:solidFill>
                       <a:srgbClr val="000000"/>
                     </a:solidFill>
@@ -9335,7 +9333,7 @@
               </a:ln>
               <a:extLst>
                 <a:ext uri="{91240B29-F687-4f45-9708-019B960494DF}">
-                  <a14:hiddenLine xmlns:a14="http://schemas.microsoft.com/office/drawing/2010/main" xmlns="" w="9525">
+                  <a14:hiddenLine xmlns="" xmlns:a14="http://schemas.microsoft.com/office/drawing/2010/main" w="9525">
                     <a:solidFill>
                       <a:srgbClr val="000000"/>
                     </a:solidFill>
@@ -9397,7 +9395,7 @@
               </a:ln>
               <a:extLst>
                 <a:ext uri="{91240B29-F687-4f45-9708-019B960494DF}">
-                  <a14:hiddenLine xmlns:a14="http://schemas.microsoft.com/office/drawing/2010/main" xmlns="" w="9525">
+                  <a14:hiddenLine xmlns="" xmlns:a14="http://schemas.microsoft.com/office/drawing/2010/main" w="9525">
                     <a:solidFill>
                       <a:srgbClr val="000000"/>
                     </a:solidFill>
@@ -9487,7 +9485,7 @@
               </a:ln>
               <a:extLst>
                 <a:ext uri="{91240B29-F687-4f45-9708-019B960494DF}">
-                  <a14:hiddenLine xmlns:a14="http://schemas.microsoft.com/office/drawing/2010/main" xmlns="" w="9525">
+                  <a14:hiddenLine xmlns="" xmlns:a14="http://schemas.microsoft.com/office/drawing/2010/main" w="9525">
                     <a:solidFill>
                       <a:srgbClr val="000000"/>
                     </a:solidFill>
@@ -9549,7 +9547,7 @@
               </a:ln>
               <a:extLst>
                 <a:ext uri="{91240B29-F687-4f45-9708-019B960494DF}">
-                  <a14:hiddenLine xmlns:a14="http://schemas.microsoft.com/office/drawing/2010/main" xmlns="" w="9525">
+                  <a14:hiddenLine xmlns="" xmlns:a14="http://schemas.microsoft.com/office/drawing/2010/main" w="9525">
                     <a:solidFill>
                       <a:srgbClr val="000000"/>
                     </a:solidFill>
@@ -9611,7 +9609,7 @@
               </a:ln>
               <a:extLst>
                 <a:ext uri="{91240B29-F687-4f45-9708-019B960494DF}">
-                  <a14:hiddenLine xmlns:a14="http://schemas.microsoft.com/office/drawing/2010/main" xmlns="" w="9525">
+                  <a14:hiddenLine xmlns="" xmlns:a14="http://schemas.microsoft.com/office/drawing/2010/main" w="9525">
                     <a:solidFill>
                       <a:srgbClr val="000000"/>
                     </a:solidFill>
@@ -9701,7 +9699,7 @@
               </a:ln>
               <a:extLst>
                 <a:ext uri="{91240B29-F687-4f45-9708-019B960494DF}">
-                  <a14:hiddenLine xmlns:a14="http://schemas.microsoft.com/office/drawing/2010/main" xmlns="" w="9525">
+                  <a14:hiddenLine xmlns="" xmlns:a14="http://schemas.microsoft.com/office/drawing/2010/main" w="9525">
                     <a:solidFill>
                       <a:srgbClr val="000000"/>
                     </a:solidFill>
@@ -9791,7 +9789,7 @@
               </a:ln>
               <a:extLst>
                 <a:ext uri="{91240B29-F687-4f45-9708-019B960494DF}">
-                  <a14:hiddenLine xmlns:a14="http://schemas.microsoft.com/office/drawing/2010/main" xmlns="" w="9525">
+                  <a14:hiddenLine xmlns="" xmlns:a14="http://schemas.microsoft.com/office/drawing/2010/main" w="9525">
                     <a:solidFill>
                       <a:srgbClr val="000000"/>
                     </a:solidFill>
@@ -9853,7 +9851,7 @@
               </a:ln>
               <a:extLst>
                 <a:ext uri="{91240B29-F687-4f45-9708-019B960494DF}">
-                  <a14:hiddenLine xmlns:a14="http://schemas.microsoft.com/office/drawing/2010/main" xmlns="" w="9525">
+                  <a14:hiddenLine xmlns="" xmlns:a14="http://schemas.microsoft.com/office/drawing/2010/main" w="9525">
                     <a:solidFill>
                       <a:srgbClr val="000000"/>
                     </a:solidFill>
@@ -9963,7 +9961,7 @@
               </a:ln>
               <a:extLst>
                 <a:ext uri="{91240B29-F687-4f45-9708-019B960494DF}">
-                  <a14:hiddenLine xmlns:a14="http://schemas.microsoft.com/office/drawing/2010/main" xmlns="" w="9525">
+                  <a14:hiddenLine xmlns="" xmlns:a14="http://schemas.microsoft.com/office/drawing/2010/main" w="9525">
                     <a:solidFill>
                       <a:srgbClr val="000000"/>
                     </a:solidFill>
@@ -10047,7 +10045,7 @@
               </a:ln>
               <a:extLst>
                 <a:ext uri="{91240B29-F687-4f45-9708-019B960494DF}">
-                  <a14:hiddenLine xmlns:a14="http://schemas.microsoft.com/office/drawing/2010/main" xmlns="" w="9525">
+                  <a14:hiddenLine xmlns="" xmlns:a14="http://schemas.microsoft.com/office/drawing/2010/main" w="9525">
                     <a:solidFill>
                       <a:srgbClr val="000000"/>
                     </a:solidFill>
@@ -10109,7 +10107,7 @@
               </a:ln>
               <a:extLst>
                 <a:ext uri="{91240B29-F687-4f45-9708-019B960494DF}">
-                  <a14:hiddenLine xmlns:a14="http://schemas.microsoft.com/office/drawing/2010/main" xmlns="" w="9525">
+                  <a14:hiddenLine xmlns="" xmlns:a14="http://schemas.microsoft.com/office/drawing/2010/main" w="9525">
                     <a:solidFill>
                       <a:srgbClr val="000000"/>
                     </a:solidFill>
@@ -10171,7 +10169,7 @@
               </a:ln>
               <a:extLst>
                 <a:ext uri="{91240B29-F687-4f45-9708-019B960494DF}">
-                  <a14:hiddenLine xmlns:a14="http://schemas.microsoft.com/office/drawing/2010/main" xmlns="" w="9525">
+                  <a14:hiddenLine xmlns="" xmlns:a14="http://schemas.microsoft.com/office/drawing/2010/main" w="9525">
                     <a:solidFill>
                       <a:srgbClr val="000000"/>
                     </a:solidFill>
@@ -10261,7 +10259,7 @@
               </a:ln>
               <a:extLst>
                 <a:ext uri="{91240B29-F687-4f45-9708-019B960494DF}">
-                  <a14:hiddenLine xmlns:a14="http://schemas.microsoft.com/office/drawing/2010/main" xmlns="" w="9525">
+                  <a14:hiddenLine xmlns="" xmlns:a14="http://schemas.microsoft.com/office/drawing/2010/main" w="9525">
                     <a:solidFill>
                       <a:srgbClr val="000000"/>
                     </a:solidFill>
@@ -10295,7 +10293,7 @@
               </a:ln>
               <a:extLst>
                 <a:ext uri="{91240B29-F687-4f45-9708-019B960494DF}">
-                  <a14:hiddenLine xmlns:a14="http://schemas.microsoft.com/office/drawing/2010/main" xmlns="" w="9525">
+                  <a14:hiddenLine xmlns="" xmlns:a14="http://schemas.microsoft.com/office/drawing/2010/main" w="9525">
                     <a:solidFill>
                       <a:srgbClr val="000000"/>
                     </a:solidFill>
@@ -10360,7 +10358,7 @@
               </a:ln>
               <a:extLst>
                 <a:ext uri="{91240B29-F687-4f45-9708-019B960494DF}">
-                  <a14:hiddenLine xmlns:a14="http://schemas.microsoft.com/office/drawing/2010/main" xmlns="" w="9525">
+                  <a14:hiddenLine xmlns="" xmlns:a14="http://schemas.microsoft.com/office/drawing/2010/main" w="9525">
                     <a:solidFill>
                       <a:srgbClr val="000000"/>
                     </a:solidFill>
@@ -10450,7 +10448,7 @@
               </a:ln>
               <a:extLst>
                 <a:ext uri="{91240B29-F687-4f45-9708-019B960494DF}">
-                  <a14:hiddenLine xmlns:a14="http://schemas.microsoft.com/office/drawing/2010/main" xmlns="" w="9525">
+                  <a14:hiddenLine xmlns="" xmlns:a14="http://schemas.microsoft.com/office/drawing/2010/main" w="9525">
                     <a:solidFill>
                       <a:srgbClr val="000000"/>
                     </a:solidFill>
@@ -10512,7 +10510,7 @@
               </a:ln>
               <a:extLst>
                 <a:ext uri="{91240B29-F687-4f45-9708-019B960494DF}">
-                  <a14:hiddenLine xmlns:a14="http://schemas.microsoft.com/office/drawing/2010/main" xmlns="" w="9525">
+                  <a14:hiddenLine xmlns="" xmlns:a14="http://schemas.microsoft.com/office/drawing/2010/main" w="9525">
                     <a:solidFill>
                       <a:srgbClr val="000000"/>
                     </a:solidFill>
@@ -10602,7 +10600,7 @@
               </a:ln>
               <a:extLst>
                 <a:ext uri="{91240B29-F687-4f45-9708-019B960494DF}">
-                  <a14:hiddenLine xmlns:a14="http://schemas.microsoft.com/office/drawing/2010/main" xmlns="" w="9525">
+                  <a14:hiddenLine xmlns="" xmlns:a14="http://schemas.microsoft.com/office/drawing/2010/main" w="9525">
                     <a:solidFill>
                       <a:srgbClr val="000000"/>
                     </a:solidFill>
@@ -10667,7 +10665,7 @@
               </a:ln>
               <a:extLst>
                 <a:ext uri="{91240B29-F687-4f45-9708-019B960494DF}">
-                  <a14:hiddenLine xmlns:a14="http://schemas.microsoft.com/office/drawing/2010/main" xmlns="" w="9525">
+                  <a14:hiddenLine xmlns="" xmlns:a14="http://schemas.microsoft.com/office/drawing/2010/main" w="9525">
                     <a:solidFill>
                       <a:srgbClr val="000000"/>
                     </a:solidFill>
@@ -10729,7 +10727,7 @@
               </a:ln>
               <a:extLst>
                 <a:ext uri="{91240B29-F687-4f45-9708-019B960494DF}">
-                  <a14:hiddenLine xmlns:a14="http://schemas.microsoft.com/office/drawing/2010/main" xmlns="" w="9525">
+                  <a14:hiddenLine xmlns="" xmlns:a14="http://schemas.microsoft.com/office/drawing/2010/main" w="9525">
                     <a:solidFill>
                       <a:srgbClr val="000000"/>
                     </a:solidFill>
@@ -10819,7 +10817,7 @@
               </a:ln>
               <a:extLst>
                 <a:ext uri="{91240B29-F687-4f45-9708-019B960494DF}">
-                  <a14:hiddenLine xmlns:a14="http://schemas.microsoft.com/office/drawing/2010/main" xmlns="" w="9525">
+                  <a14:hiddenLine xmlns="" xmlns:a14="http://schemas.microsoft.com/office/drawing/2010/main" w="9525">
                     <a:solidFill>
                       <a:srgbClr val="000000"/>
                     </a:solidFill>
@@ -10909,7 +10907,7 @@
               </a:ln>
               <a:extLst>
                 <a:ext uri="{91240B29-F687-4f45-9708-019B960494DF}">
-                  <a14:hiddenLine xmlns:a14="http://schemas.microsoft.com/office/drawing/2010/main" xmlns="" w="9525">
+                  <a14:hiddenLine xmlns="" xmlns:a14="http://schemas.microsoft.com/office/drawing/2010/main" w="9525">
                     <a:solidFill>
                       <a:srgbClr val="000000"/>
                     </a:solidFill>
@@ -10974,7 +10972,7 @@
               </a:ln>
               <a:extLst>
                 <a:ext uri="{91240B29-F687-4f45-9708-019B960494DF}">
-                  <a14:hiddenLine xmlns:a14="http://schemas.microsoft.com/office/drawing/2010/main" xmlns="" w="9525">
+                  <a14:hiddenLine xmlns="" xmlns:a14="http://schemas.microsoft.com/office/drawing/2010/main" w="9525">
                     <a:solidFill>
                       <a:srgbClr val="000000"/>
                     </a:solidFill>
@@ -11094,7 +11092,7 @@
               </a:ln>
               <a:extLst>
                 <a:ext uri="{91240B29-F687-4f45-9708-019B960494DF}">
-                  <a14:hiddenLine xmlns:a14="http://schemas.microsoft.com/office/drawing/2010/main" xmlns="" w="9525">
+                  <a14:hiddenLine xmlns="" xmlns:a14="http://schemas.microsoft.com/office/drawing/2010/main" w="9525">
                     <a:solidFill>
                       <a:srgbClr val="000000"/>
                     </a:solidFill>
@@ -11192,7 +11190,7 @@
               </a:ln>
               <a:extLst>
                 <a:ext uri="{91240B29-F687-4f45-9708-019B960494DF}">
-                  <a14:hiddenLine xmlns:a14="http://schemas.microsoft.com/office/drawing/2010/main" xmlns="" w="9525">
+                  <a14:hiddenLine xmlns="" xmlns:a14="http://schemas.microsoft.com/office/drawing/2010/main" w="9525">
                     <a:solidFill>
                       <a:srgbClr val="000000"/>
                     </a:solidFill>
@@ -11307,7 +11305,7 @@
               </a:ln>
               <a:extLst>
                 <a:ext uri="{91240B29-F687-4f45-9708-019B960494DF}">
-                  <a14:hiddenLine xmlns:a14="http://schemas.microsoft.com/office/drawing/2010/main" xmlns="" w="9525">
+                  <a14:hiddenLine xmlns="" xmlns:a14="http://schemas.microsoft.com/office/drawing/2010/main" w="9525">
                     <a:solidFill>
                       <a:srgbClr val="000000"/>
                     </a:solidFill>
@@ -11397,7 +11395,7 @@
               </a:ln>
               <a:extLst>
                 <a:ext uri="{91240B29-F687-4f45-9708-019B960494DF}">
-                  <a14:hiddenLine xmlns:a14="http://schemas.microsoft.com/office/drawing/2010/main" xmlns="" w="9525">
+                  <a14:hiddenLine xmlns="" xmlns:a14="http://schemas.microsoft.com/office/drawing/2010/main" w="9525">
                     <a:solidFill>
                       <a:srgbClr val="000000"/>
                     </a:solidFill>
@@ -11462,7 +11460,7 @@
               </a:ln>
               <a:extLst>
                 <a:ext uri="{91240B29-F687-4f45-9708-019B960494DF}">
-                  <a14:hiddenLine xmlns:a14="http://schemas.microsoft.com/office/drawing/2010/main" xmlns="" w="9525">
+                  <a14:hiddenLine xmlns="" xmlns:a14="http://schemas.microsoft.com/office/drawing/2010/main" w="9525">
                     <a:solidFill>
                       <a:srgbClr val="000000"/>
                     </a:solidFill>
@@ -11552,7 +11550,7 @@
               </a:ln>
               <a:extLst>
                 <a:ext uri="{91240B29-F687-4f45-9708-019B960494DF}">
-                  <a14:hiddenLine xmlns:a14="http://schemas.microsoft.com/office/drawing/2010/main" xmlns="" w="9525">
+                  <a14:hiddenLine xmlns="" xmlns:a14="http://schemas.microsoft.com/office/drawing/2010/main" w="9525">
                     <a:solidFill>
                       <a:srgbClr val="000000"/>
                     </a:solidFill>
@@ -11620,7 +11618,7 @@
               </a:ln>
               <a:extLst>
                 <a:ext uri="{91240B29-F687-4f45-9708-019B960494DF}">
-                  <a14:hiddenLine xmlns:a14="http://schemas.microsoft.com/office/drawing/2010/main" xmlns="" w="9525">
+                  <a14:hiddenLine xmlns="" xmlns:a14="http://schemas.microsoft.com/office/drawing/2010/main" w="9525">
                     <a:solidFill>
                       <a:srgbClr val="000000"/>
                     </a:solidFill>
@@ -11710,7 +11708,7 @@
               </a:ln>
               <a:extLst>
                 <a:ext uri="{91240B29-F687-4f45-9708-019B960494DF}">
-                  <a14:hiddenLine xmlns:a14="http://schemas.microsoft.com/office/drawing/2010/main" xmlns="" w="9525">
+                  <a14:hiddenLine xmlns="" xmlns:a14="http://schemas.microsoft.com/office/drawing/2010/main" w="9525">
                     <a:solidFill>
                       <a:srgbClr val="000000"/>
                     </a:solidFill>
@@ -11778,7 +11776,7 @@
               </a:ln>
               <a:extLst>
                 <a:ext uri="{91240B29-F687-4f45-9708-019B960494DF}">
-                  <a14:hiddenLine xmlns:a14="http://schemas.microsoft.com/office/drawing/2010/main" xmlns="" w="9525">
+                  <a14:hiddenLine xmlns="" xmlns:a14="http://schemas.microsoft.com/office/drawing/2010/main" w="9525">
                     <a:solidFill>
                       <a:srgbClr val="000000"/>
                     </a:solidFill>
@@ -11868,7 +11866,7 @@
               </a:ln>
               <a:extLst>
                 <a:ext uri="{91240B29-F687-4f45-9708-019B960494DF}">
-                  <a14:hiddenLine xmlns:a14="http://schemas.microsoft.com/office/drawing/2010/main" xmlns="" w="9525">
+                  <a14:hiddenLine xmlns="" xmlns:a14="http://schemas.microsoft.com/office/drawing/2010/main" w="9525">
                     <a:solidFill>
                       <a:srgbClr val="000000"/>
                     </a:solidFill>
@@ -11902,7 +11900,7 @@
               </a:ln>
               <a:extLst>
                 <a:ext uri="{91240B29-F687-4f45-9708-019B960494DF}">
-                  <a14:hiddenLine xmlns:a14="http://schemas.microsoft.com/office/drawing/2010/main" xmlns="" w="9525">
+                  <a14:hiddenLine xmlns="" xmlns:a14="http://schemas.microsoft.com/office/drawing/2010/main" w="9525">
                     <a:solidFill>
                       <a:srgbClr val="000000"/>
                     </a:solidFill>
@@ -12635,13 +12633,17 @@
         <p:spPr/>
         <p:txBody>
           <a:bodyPr>
-            <a:normAutofit/>
+            <a:normAutofit fontScale="92500"/>
           </a:bodyPr>
           <a:lstStyle/>
           <a:p>
             <a:r>
+              <a:rPr lang="fi-FI" dirty="0" err="1"/>
+              <a:t>GITHUBin</a:t>
+            </a:r>
+            <a:r>
               <a:rPr lang="fi-FI" dirty="0"/>
-              <a:t>GITHUB toimintaan</a:t>
+              <a:t> käyttöönotto</a:t>
             </a:r>
           </a:p>
           <a:p>
@@ -12699,7 +12701,7 @@
         <p:spPr/>
         <p:txBody>
           <a:bodyPr>
-            <a:normAutofit/>
+            <a:normAutofit fontScale="92500"/>
           </a:bodyPr>
           <a:lstStyle/>
           <a:p>
@@ -12730,7 +12732,7 @@
             </a:r>
             <a:r>
               <a:rPr lang="fi-FI" dirty="0"/>
-              <a:t> kanssa vielä ??</a:t>
+              <a:t> kanssa vielä kesken</a:t>
             </a:r>
           </a:p>
         </p:txBody>
@@ -12821,7 +12823,9 @@
         </p:nvSpPr>
         <p:spPr/>
         <p:txBody>
-          <a:bodyPr/>
+          <a:bodyPr>
+            <a:normAutofit lnSpcReduction="10000"/>
+          </a:bodyPr>
           <a:lstStyle/>
           <a:p>
             <a:r>
@@ -12885,7 +12889,9 @@
         </p:nvSpPr>
         <p:spPr/>
         <p:txBody>
-          <a:bodyPr/>
+          <a:bodyPr>
+            <a:normAutofit lnSpcReduction="10000"/>
+          </a:bodyPr>
           <a:lstStyle/>
           <a:p>
             <a:r>
@@ -12894,14 +12900,20 @@
             </a:r>
             <a:r>
               <a:rPr lang="fi-FI" dirty="0"/>
-              <a:t> palvelimella ollut JSON katosi. Pyydettiin lisäämään uudestaan -&gt; Rakenne aivan erilainen kuin alun perin ajateltu</a:t>
+              <a:t> palvelimella ollut JSON katosi. Pyydettiin lisäämään uudestaan --&gt; Rakenne aivan erilainen kuin alun perin ajateltu</a:t>
             </a:r>
           </a:p>
           <a:p>
             <a:r>
               <a:rPr lang="fi-FI" dirty="0"/>
-              <a:t>Ulkoasu + kysymykset valmis</a:t>
+              <a:t>Ulkoasu + kysymykset valmiita, mutta ei vielä implementoitu</a:t>
             </a:r>
+          </a:p>
+          <a:p>
+            <a:pPr marL="0" indent="0">
+              <a:buNone/>
+            </a:pPr>
+            <a:endParaRPr lang="fi-FI" dirty="0"/>
           </a:p>
         </p:txBody>
       </p:sp>
@@ -12994,7 +13006,16 @@
           <a:bodyPr/>
           <a:lstStyle/>
           <a:p>
-            <a:endParaRPr lang="fi-FI"/>
+            <a:r>
+              <a:rPr lang="fi-FI" dirty="0"/>
+              <a:t>Tallentaminen ja vastausten käsittely</a:t>
+            </a:r>
+          </a:p>
+          <a:p>
+            <a:r>
+              <a:rPr lang="fi-FI" dirty="0"/>
+              <a:t>Loppuhionta ulkoasuun ja kysymyksiin</a:t>
+            </a:r>
           </a:p>
         </p:txBody>
       </p:sp>
@@ -13035,7 +13056,19 @@
           <a:bodyPr/>
           <a:lstStyle/>
           <a:p>
-            <a:endParaRPr lang="fi-FI"/>
+            <a:r>
+              <a:rPr lang="fi-FI" dirty="0"/>
+              <a:t>Tallentaminen</a:t>
+            </a:r>
+          </a:p>
+          <a:p>
+            <a:r>
+              <a:rPr lang="fi-FI" dirty="0"/>
+              <a:t>Viimeiset ulkoasu ja kysymyspäivitykset</a:t>
+            </a:r>
+          </a:p>
+          <a:p>
+            <a:endParaRPr lang="fi-FI" dirty="0"/>
           </a:p>
         </p:txBody>
       </p:sp>
@@ -13367,7 +13400,7 @@
             </a:pPr>
             <a:r>
               <a:rPr lang="fi-FI" dirty="0"/>
-              <a:t>Haku metodi</a:t>
+              <a:t>Hakumetodi</a:t>
             </a:r>
           </a:p>
         </p:txBody>
@@ -13512,7 +13545,7 @@
           <a:p>
             <a:r>
               <a:rPr lang="fi-FI" dirty="0"/>
-              <a:t>Käyttöliittymä</a:t>
+              <a:t>Käyttöliittymä ja Data</a:t>
             </a:r>
           </a:p>
         </p:txBody>
@@ -13534,7 +13567,7 @@
           <a:p>
             <a:r>
               <a:rPr lang="fi-FI" dirty="0"/>
-              <a:t>(linkki)</a:t>
+              <a:t>myy.haaga-helia.fi/~a1602681/Digiprojekti/Kysely.html</a:t>
             </a:r>
           </a:p>
         </p:txBody>
@@ -13543,154 +13576,6 @@
     <p:extLst>
       <p:ext uri="{BB962C8B-B14F-4D97-AF65-F5344CB8AC3E}">
         <p14:creationId xmlns:p14="http://schemas.microsoft.com/office/powerpoint/2010/main" val="4170896719"/>
-      </p:ext>
-    </p:extLst>
-  </p:cSld>
-  <p:clrMapOvr>
-    <a:masterClrMapping/>
-  </p:clrMapOvr>
-</p:sld>
-</file>
-
-<file path=ppt/slides/slide8.xml><?xml version="1.0" encoding="utf-8"?>
-<p:sld xmlns:a="http://schemas.openxmlformats.org/drawingml/2006/main" xmlns:r="http://schemas.openxmlformats.org/officeDocument/2006/relationships" xmlns:p="http://schemas.openxmlformats.org/presentationml/2006/main">
-  <p:cSld>
-    <p:spTree>
-      <p:nvGrpSpPr>
-        <p:cNvPr id="1" name=""/>
-        <p:cNvGrpSpPr/>
-        <p:nvPr/>
-      </p:nvGrpSpPr>
-      <p:grpSpPr>
-        <a:xfrm>
-          <a:off x="0" y="0"/>
-          <a:ext cx="0" cy="0"/>
-          <a:chOff x="0" y="0"/>
-          <a:chExt cx="0" cy="0"/>
-        </a:xfrm>
-      </p:grpSpPr>
-      <p:sp>
-        <p:nvSpPr>
-          <p:cNvPr id="2" name="Title 1"/>
-          <p:cNvSpPr>
-            <a:spLocks noGrp="1"/>
-          </p:cNvSpPr>
-          <p:nvPr>
-            <p:ph type="title"/>
-          </p:nvPr>
-        </p:nvSpPr>
-        <p:spPr/>
-        <p:txBody>
-          <a:bodyPr/>
-          <a:lstStyle/>
-          <a:p>
-            <a:r>
-              <a:rPr lang="fi-FI" dirty="0"/>
-              <a:t>Kysymys- ja vastausdata</a:t>
-            </a:r>
-          </a:p>
-        </p:txBody>
-      </p:sp>
-      <p:sp>
-        <p:nvSpPr>
-          <p:cNvPr id="3" name="Content Placeholder 2"/>
-          <p:cNvSpPr>
-            <a:spLocks noGrp="1"/>
-          </p:cNvSpPr>
-          <p:nvPr>
-            <p:ph idx="1"/>
-          </p:nvPr>
-        </p:nvSpPr>
-        <p:spPr/>
-        <p:txBody>
-          <a:bodyPr/>
-          <a:lstStyle/>
-          <a:p>
-            <a:r>
-              <a:rPr lang="fi-FI" dirty="0"/>
-              <a:t>EI OLE</a:t>
-            </a:r>
-          </a:p>
-        </p:txBody>
-      </p:sp>
-    </p:spTree>
-    <p:extLst>
-      <p:ext uri="{BB962C8B-B14F-4D97-AF65-F5344CB8AC3E}">
-        <p14:creationId xmlns:p14="http://schemas.microsoft.com/office/powerpoint/2010/main" val="705347435"/>
-      </p:ext>
-    </p:extLst>
-  </p:cSld>
-  <p:clrMapOvr>
-    <a:masterClrMapping/>
-  </p:clrMapOvr>
-</p:sld>
-</file>
-
-<file path=ppt/slides/slide9.xml><?xml version="1.0" encoding="utf-8"?>
-<p:sld xmlns:a="http://schemas.openxmlformats.org/drawingml/2006/main" xmlns:r="http://schemas.openxmlformats.org/officeDocument/2006/relationships" xmlns:p="http://schemas.openxmlformats.org/presentationml/2006/main">
-  <p:cSld>
-    <p:spTree>
-      <p:nvGrpSpPr>
-        <p:cNvPr id="1" name=""/>
-        <p:cNvGrpSpPr/>
-        <p:nvPr/>
-      </p:nvGrpSpPr>
-      <p:grpSpPr>
-        <a:xfrm>
-          <a:off x="0" y="0"/>
-          <a:ext cx="0" cy="0"/>
-          <a:chOff x="0" y="0"/>
-          <a:chExt cx="0" cy="0"/>
-        </a:xfrm>
-      </p:grpSpPr>
-      <p:sp>
-        <p:nvSpPr>
-          <p:cNvPr id="2" name="Title 1"/>
-          <p:cNvSpPr>
-            <a:spLocks noGrp="1"/>
-          </p:cNvSpPr>
-          <p:nvPr>
-            <p:ph type="title"/>
-          </p:nvPr>
-        </p:nvSpPr>
-        <p:spPr/>
-        <p:txBody>
-          <a:bodyPr/>
-          <a:lstStyle/>
-          <a:p>
-            <a:r>
-              <a:rPr lang="fi-FI" dirty="0"/>
-              <a:t>Yhteenveto- ja graafinen tulkinta</a:t>
-            </a:r>
-          </a:p>
-        </p:txBody>
-      </p:sp>
-      <p:sp>
-        <p:nvSpPr>
-          <p:cNvPr id="3" name="Content Placeholder 2"/>
-          <p:cNvSpPr>
-            <a:spLocks noGrp="1"/>
-          </p:cNvSpPr>
-          <p:nvPr>
-            <p:ph idx="1"/>
-          </p:nvPr>
-        </p:nvSpPr>
-        <p:spPr/>
-        <p:txBody>
-          <a:bodyPr/>
-          <a:lstStyle/>
-          <a:p>
-            <a:r>
-              <a:rPr lang="fi-FI" dirty="0"/>
-              <a:t>EI OLE</a:t>
-            </a:r>
-          </a:p>
-        </p:txBody>
-      </p:sp>
-    </p:spTree>
-    <p:extLst>
-      <p:ext uri="{BB962C8B-B14F-4D97-AF65-F5344CB8AC3E}">
-        <p14:creationId xmlns:p14="http://schemas.microsoft.com/office/powerpoint/2010/main" val="1503414196"/>
       </p:ext>
     </p:extLst>
   </p:cSld>
